--- a/team#10-{hack_for_good}/hack_for_good.pptx
+++ b/team#10-{hack_for_good}/hack_for_good.pptx
@@ -109,6 +109,11 @@
       </a:defRPr>
     </a:lvl9pPr>
   </p:defaultTextStyle>
+  <p:extLst>
+    <p:ext uri="{EFAFB233-063F-42B5-8137-9DF3F51BA10A}">
+      <p15:sldGuideLst xmlns:p15="http://schemas.microsoft.com/office/powerpoint/2012/main"/>
+    </p:ext>
+  </p:extLst>
 </p:presentation>
 </file>
 
@@ -207,7 +212,7 @@
           <a:effectLst/>
           <a:extLst>
             <a:ext uri="{91240B29-F687-4f45-9708-019B960494DF}">
-              <a14:hiddenLine xmlns:a14="http://schemas.microsoft.com/office/drawing/2010/main" xmlns="" w="9525">
+              <a14:hiddenLine xmlns="" xmlns:a14="http://schemas.microsoft.com/office/drawing/2010/main" w="9525">
                 <a:solidFill>
                   <a:srgbClr val="000000"/>
                 </a:solidFill>
@@ -1729,7 +1734,7 @@
           <a:ln/>
           <a:extLst>
             <a:ext uri="{91240B29-F687-4f45-9708-019B960494DF}">
-              <a14:hiddenLine xmlns:a14="http://schemas.microsoft.com/office/drawing/2010/main" xmlns="" w="9525">
+              <a14:hiddenLine xmlns="" xmlns:a14="http://schemas.microsoft.com/office/drawing/2010/main" w="9525">
                 <a:solidFill>
                   <a:srgbClr val="000000"/>
                 </a:solidFill>
@@ -2004,7 +2009,7 @@
           <a:ln/>
           <a:extLst>
             <a:ext uri="{91240B29-F687-4f45-9708-019B960494DF}">
-              <a14:hiddenLine xmlns:a14="http://schemas.microsoft.com/office/drawing/2010/main" xmlns="" w="9525">
+              <a14:hiddenLine xmlns="" xmlns:a14="http://schemas.microsoft.com/office/drawing/2010/main" w="9525">
                 <a:solidFill>
                   <a:srgbClr val="000000"/>
                 </a:solidFill>
@@ -2287,7 +2292,7 @@
           <a:ln/>
           <a:extLst>
             <a:ext uri="{91240B29-F687-4f45-9708-019B960494DF}">
-              <a14:hiddenLine xmlns:a14="http://schemas.microsoft.com/office/drawing/2010/main" xmlns="" w="9525">
+              <a14:hiddenLine xmlns="" xmlns:a14="http://schemas.microsoft.com/office/drawing/2010/main" w="9525">
                 <a:solidFill>
                   <a:srgbClr val="000000"/>
                 </a:solidFill>
@@ -2913,7 +2918,7 @@
           <a:ln/>
           <a:extLst>
             <a:ext uri="{91240B29-F687-4f45-9708-019B960494DF}">
-              <a14:hiddenLine xmlns:a14="http://schemas.microsoft.com/office/drawing/2010/main" xmlns="" w="9525">
+              <a14:hiddenLine xmlns="" xmlns:a14="http://schemas.microsoft.com/office/drawing/2010/main" w="9525">
                 <a:solidFill>
                   <a:srgbClr val="000000"/>
                 </a:solidFill>
@@ -3252,7 +3257,7 @@
           <a:ln/>
           <a:extLst>
             <a:ext uri="{91240B29-F687-4f45-9708-019B960494DF}">
-              <a14:hiddenLine xmlns:a14="http://schemas.microsoft.com/office/drawing/2010/main" xmlns="" w="9525">
+              <a14:hiddenLine xmlns="" xmlns:a14="http://schemas.microsoft.com/office/drawing/2010/main" w="9525">
                 <a:solidFill>
                   <a:srgbClr val="000000"/>
                 </a:solidFill>
@@ -3729,7 +3734,7 @@
           <a:ln/>
           <a:extLst>
             <a:ext uri="{91240B29-F687-4f45-9708-019B960494DF}">
-              <a14:hiddenLine xmlns:a14="http://schemas.microsoft.com/office/drawing/2010/main" xmlns="" w="9525">
+              <a14:hiddenLine xmlns="" xmlns:a14="http://schemas.microsoft.com/office/drawing/2010/main" w="9525">
                 <a:solidFill>
                   <a:srgbClr val="000000"/>
                 </a:solidFill>
@@ -4158,7 +4163,7 @@
           <a:ln/>
           <a:extLst>
             <a:ext uri="{91240B29-F687-4f45-9708-019B960494DF}">
-              <a14:hiddenLine xmlns:a14="http://schemas.microsoft.com/office/drawing/2010/main" xmlns="" w="9525">
+              <a14:hiddenLine xmlns="" xmlns:a14="http://schemas.microsoft.com/office/drawing/2010/main" w="9525">
                 <a:solidFill>
                   <a:srgbClr val="000000"/>
                 </a:solidFill>
@@ -6325,6 +6330,11 @@
               <a:rPr lang="en-IN" dirty="0"/>
               <a:t>Pickup Boy</a:t>
             </a:r>
+            <a:r>
+              <a:rPr lang="en-IN"/>
+              <a:t>/self</a:t>
+            </a:r>
+            <a:endParaRPr lang="en-IN" dirty="0"/>
           </a:p>
         </p:txBody>
       </p:sp>
@@ -6667,8 +6677,8 @@
         </p:nvSpPr>
         <p:spPr>
           <a:xfrm>
-            <a:off x="4566079" y="3651681"/>
-            <a:ext cx="218981" cy="344757"/>
+            <a:off x="4566079" y="3764255"/>
+            <a:ext cx="210107" cy="232183"/>
           </a:xfrm>
           <a:prstGeom prst="downArrow">
             <a:avLst/>
@@ -6714,7 +6724,7 @@
         <p:spPr>
           <a:xfrm>
             <a:off x="4610468" y="5800084"/>
-            <a:ext cx="168676" cy="232300"/>
+            <a:ext cx="210100" cy="321078"/>
           </a:xfrm>
           <a:prstGeom prst="downArrow">
             <a:avLst/>
@@ -6916,6 +6926,354 @@
           </a:fontRef>
         </p:style>
       </p:cxnSp>
+      <p:cxnSp>
+        <p:nvCxnSpPr>
+          <p:cNvPr id="33" name="Straight Connector 32">
+            <a:extLst>
+              <a:ext uri="{FF2B5EF4-FFF2-40B4-BE49-F238E27FC236}">
+                <a16:creationId xmlns:a16="http://schemas.microsoft.com/office/drawing/2014/main" id="{9A83171C-0565-438D-8023-69B98FEF2941}"/>
+              </a:ext>
+            </a:extLst>
+          </p:cNvPr>
+          <p:cNvCxnSpPr/>
+          <p:nvPr/>
+        </p:nvCxnSpPr>
+        <p:spPr>
+          <a:xfrm>
+            <a:off x="1722267" y="5913190"/>
+            <a:ext cx="5807490" cy="1480"/>
+          </a:xfrm>
+          <a:prstGeom prst="line">
+            <a:avLst/>
+          </a:prstGeom>
+        </p:spPr>
+        <p:style>
+          <a:lnRef idx="1">
+            <a:schemeClr val="accent1"/>
+          </a:lnRef>
+          <a:fillRef idx="0">
+            <a:schemeClr val="accent1"/>
+          </a:fillRef>
+          <a:effectRef idx="0">
+            <a:schemeClr val="accent1"/>
+          </a:effectRef>
+          <a:fontRef idx="minor">
+            <a:schemeClr val="tx1"/>
+          </a:fontRef>
+        </p:style>
+      </p:cxnSp>
+      <p:sp>
+        <p:nvSpPr>
+          <p:cNvPr id="34" name="Arrow: Down 33">
+            <a:extLst>
+              <a:ext uri="{FF2B5EF4-FFF2-40B4-BE49-F238E27FC236}">
+                <a16:creationId xmlns:a16="http://schemas.microsoft.com/office/drawing/2014/main" id="{E97E4063-4EF3-4E52-9A22-FDB105FF2A74}"/>
+              </a:ext>
+            </a:extLst>
+          </p:cNvPr>
+          <p:cNvSpPr/>
+          <p:nvPr/>
+        </p:nvSpPr>
+        <p:spPr>
+          <a:xfrm>
+            <a:off x="4601588" y="5694829"/>
+            <a:ext cx="218980" cy="225037"/>
+          </a:xfrm>
+          <a:prstGeom prst="downArrow">
+            <a:avLst/>
+          </a:prstGeom>
+        </p:spPr>
+        <p:style>
+          <a:lnRef idx="2">
+            <a:schemeClr val="accent1">
+              <a:shade val="50000"/>
+            </a:schemeClr>
+          </a:lnRef>
+          <a:fillRef idx="1">
+            <a:schemeClr val="accent1"/>
+          </a:fillRef>
+          <a:effectRef idx="0">
+            <a:schemeClr val="accent1"/>
+          </a:effectRef>
+          <a:fontRef idx="minor">
+            <a:schemeClr val="lt1"/>
+          </a:fontRef>
+        </p:style>
+        <p:txBody>
+          <a:bodyPr rtlCol="0" anchor="ctr"/>
+          <a:lstStyle/>
+          <a:p>
+            <a:pPr algn="ctr"/>
+            <a:endParaRPr lang="en-IN"/>
+          </a:p>
+        </p:txBody>
+      </p:sp>
+      <p:sp>
+        <p:nvSpPr>
+          <p:cNvPr id="37" name="Arrow: Down 36">
+            <a:extLst>
+              <a:ext uri="{FF2B5EF4-FFF2-40B4-BE49-F238E27FC236}">
+                <a16:creationId xmlns:a16="http://schemas.microsoft.com/office/drawing/2014/main" id="{BB36C39C-72BF-4092-ADEA-772F02BE32EF}"/>
+              </a:ext>
+            </a:extLst>
+          </p:cNvPr>
+          <p:cNvSpPr/>
+          <p:nvPr/>
+        </p:nvSpPr>
+        <p:spPr>
+          <a:xfrm>
+            <a:off x="7489384" y="5745454"/>
+            <a:ext cx="210107" cy="232183"/>
+          </a:xfrm>
+          <a:prstGeom prst="downArrow">
+            <a:avLst/>
+          </a:prstGeom>
+        </p:spPr>
+        <p:style>
+          <a:lnRef idx="2">
+            <a:schemeClr val="accent1">
+              <a:shade val="50000"/>
+            </a:schemeClr>
+          </a:lnRef>
+          <a:fillRef idx="1">
+            <a:schemeClr val="accent1"/>
+          </a:fillRef>
+          <a:effectRef idx="0">
+            <a:schemeClr val="accent1"/>
+          </a:effectRef>
+          <a:fontRef idx="minor">
+            <a:schemeClr val="lt1"/>
+          </a:fontRef>
+        </p:style>
+        <p:txBody>
+          <a:bodyPr rtlCol="0" anchor="ctr"/>
+          <a:lstStyle/>
+          <a:p>
+            <a:pPr algn="ctr"/>
+            <a:endParaRPr lang="en-IN"/>
+          </a:p>
+        </p:txBody>
+      </p:sp>
+      <p:sp>
+        <p:nvSpPr>
+          <p:cNvPr id="38" name="Arrow: Down 37">
+            <a:extLst>
+              <a:ext uri="{FF2B5EF4-FFF2-40B4-BE49-F238E27FC236}">
+                <a16:creationId xmlns:a16="http://schemas.microsoft.com/office/drawing/2014/main" id="{4F3B0674-FD5A-4328-85A1-D17B52AFDDF9}"/>
+              </a:ext>
+            </a:extLst>
+          </p:cNvPr>
+          <p:cNvSpPr/>
+          <p:nvPr/>
+        </p:nvSpPr>
+        <p:spPr>
+          <a:xfrm>
+            <a:off x="1504239" y="5745454"/>
+            <a:ext cx="210107" cy="232183"/>
+          </a:xfrm>
+          <a:prstGeom prst="downArrow">
+            <a:avLst/>
+          </a:prstGeom>
+        </p:spPr>
+        <p:style>
+          <a:lnRef idx="2">
+            <a:schemeClr val="accent1">
+              <a:shade val="50000"/>
+            </a:schemeClr>
+          </a:lnRef>
+          <a:fillRef idx="1">
+            <a:schemeClr val="accent1"/>
+          </a:fillRef>
+          <a:effectRef idx="0">
+            <a:schemeClr val="accent1"/>
+          </a:effectRef>
+          <a:fontRef idx="minor">
+            <a:schemeClr val="lt1"/>
+          </a:fontRef>
+        </p:style>
+        <p:txBody>
+          <a:bodyPr rtlCol="0" anchor="ctr"/>
+          <a:lstStyle/>
+          <a:p>
+            <a:pPr algn="ctr"/>
+            <a:endParaRPr lang="en-IN"/>
+          </a:p>
+        </p:txBody>
+      </p:sp>
+      <p:cxnSp>
+        <p:nvCxnSpPr>
+          <p:cNvPr id="39" name="Straight Connector 38">
+            <a:extLst>
+              <a:ext uri="{FF2B5EF4-FFF2-40B4-BE49-F238E27FC236}">
+                <a16:creationId xmlns:a16="http://schemas.microsoft.com/office/drawing/2014/main" id="{E371FD98-8559-405E-BB35-76DC5739B089}"/>
+              </a:ext>
+            </a:extLst>
+          </p:cNvPr>
+          <p:cNvCxnSpPr/>
+          <p:nvPr/>
+        </p:nvCxnSpPr>
+        <p:spPr>
+          <a:xfrm>
+            <a:off x="1722267" y="3738030"/>
+            <a:ext cx="5807490" cy="1480"/>
+          </a:xfrm>
+          <a:prstGeom prst="line">
+            <a:avLst/>
+          </a:prstGeom>
+        </p:spPr>
+        <p:style>
+          <a:lnRef idx="1">
+            <a:schemeClr val="accent1"/>
+          </a:lnRef>
+          <a:fillRef idx="0">
+            <a:schemeClr val="accent1"/>
+          </a:fillRef>
+          <a:effectRef idx="0">
+            <a:schemeClr val="accent1"/>
+          </a:effectRef>
+          <a:fontRef idx="minor">
+            <a:schemeClr val="tx1"/>
+          </a:fontRef>
+        </p:style>
+      </p:cxnSp>
+      <p:sp>
+        <p:nvSpPr>
+          <p:cNvPr id="40" name="Arrow: Down 39">
+            <a:extLst>
+              <a:ext uri="{FF2B5EF4-FFF2-40B4-BE49-F238E27FC236}">
+                <a16:creationId xmlns:a16="http://schemas.microsoft.com/office/drawing/2014/main" id="{6238F953-4D35-4E89-9234-63DAA661DE1C}"/>
+              </a:ext>
+            </a:extLst>
+          </p:cNvPr>
+          <p:cNvSpPr/>
+          <p:nvPr/>
+        </p:nvSpPr>
+        <p:spPr>
+          <a:xfrm>
+            <a:off x="4566081" y="3522021"/>
+            <a:ext cx="218980" cy="225037"/>
+          </a:xfrm>
+          <a:prstGeom prst="downArrow">
+            <a:avLst/>
+          </a:prstGeom>
+        </p:spPr>
+        <p:style>
+          <a:lnRef idx="2">
+            <a:schemeClr val="accent1">
+              <a:shade val="50000"/>
+            </a:schemeClr>
+          </a:lnRef>
+          <a:fillRef idx="1">
+            <a:schemeClr val="accent1"/>
+          </a:fillRef>
+          <a:effectRef idx="0">
+            <a:schemeClr val="accent1"/>
+          </a:effectRef>
+          <a:fontRef idx="minor">
+            <a:schemeClr val="lt1"/>
+          </a:fontRef>
+        </p:style>
+        <p:txBody>
+          <a:bodyPr rtlCol="0" anchor="ctr"/>
+          <a:lstStyle/>
+          <a:p>
+            <a:pPr algn="ctr"/>
+            <a:endParaRPr lang="en-IN"/>
+          </a:p>
+        </p:txBody>
+      </p:sp>
+      <p:sp>
+        <p:nvSpPr>
+          <p:cNvPr id="41" name="Arrow: Down 40">
+            <a:extLst>
+              <a:ext uri="{FF2B5EF4-FFF2-40B4-BE49-F238E27FC236}">
+                <a16:creationId xmlns:a16="http://schemas.microsoft.com/office/drawing/2014/main" id="{5BF607DF-F808-4273-AA89-46ADD0F8F016}"/>
+              </a:ext>
+            </a:extLst>
+          </p:cNvPr>
+          <p:cNvSpPr/>
+          <p:nvPr/>
+        </p:nvSpPr>
+        <p:spPr>
+          <a:xfrm>
+            <a:off x="7489384" y="3570294"/>
+            <a:ext cx="210107" cy="232183"/>
+          </a:xfrm>
+          <a:prstGeom prst="downArrow">
+            <a:avLst/>
+          </a:prstGeom>
+        </p:spPr>
+        <p:style>
+          <a:lnRef idx="2">
+            <a:schemeClr val="accent1">
+              <a:shade val="50000"/>
+            </a:schemeClr>
+          </a:lnRef>
+          <a:fillRef idx="1">
+            <a:schemeClr val="accent1"/>
+          </a:fillRef>
+          <a:effectRef idx="0">
+            <a:schemeClr val="accent1"/>
+          </a:effectRef>
+          <a:fontRef idx="minor">
+            <a:schemeClr val="lt1"/>
+          </a:fontRef>
+        </p:style>
+        <p:txBody>
+          <a:bodyPr rtlCol="0" anchor="ctr"/>
+          <a:lstStyle/>
+          <a:p>
+            <a:pPr algn="ctr"/>
+            <a:endParaRPr lang="en-IN"/>
+          </a:p>
+        </p:txBody>
+      </p:sp>
+      <p:sp>
+        <p:nvSpPr>
+          <p:cNvPr id="42" name="Arrow: Down 41">
+            <a:extLst>
+              <a:ext uri="{FF2B5EF4-FFF2-40B4-BE49-F238E27FC236}">
+                <a16:creationId xmlns:a16="http://schemas.microsoft.com/office/drawing/2014/main" id="{5252FAFE-2514-4AF4-BB82-27C133DCF346}"/>
+              </a:ext>
+            </a:extLst>
+          </p:cNvPr>
+          <p:cNvSpPr/>
+          <p:nvPr/>
+        </p:nvSpPr>
+        <p:spPr>
+          <a:xfrm>
+            <a:off x="1504239" y="3570294"/>
+            <a:ext cx="210107" cy="232183"/>
+          </a:xfrm>
+          <a:prstGeom prst="downArrow">
+            <a:avLst/>
+          </a:prstGeom>
+        </p:spPr>
+        <p:style>
+          <a:lnRef idx="2">
+            <a:schemeClr val="accent1">
+              <a:shade val="50000"/>
+            </a:schemeClr>
+          </a:lnRef>
+          <a:fillRef idx="1">
+            <a:schemeClr val="accent1"/>
+          </a:fillRef>
+          <a:effectRef idx="0">
+            <a:schemeClr val="accent1"/>
+          </a:effectRef>
+          <a:fontRef idx="minor">
+            <a:schemeClr val="lt1"/>
+          </a:fontRef>
+        </p:style>
+        <p:txBody>
+          <a:bodyPr rtlCol="0" anchor="ctr"/>
+          <a:lstStyle/>
+          <a:p>
+            <a:pPr algn="ctr"/>
+            <a:endParaRPr lang="en-IN"/>
+          </a:p>
+        </p:txBody>
+      </p:sp>
     </p:spTree>
     <p:extLst>
       <p:ext uri="{BB962C8B-B14F-4D97-AF65-F5344CB8AC3E}">
